--- a/אפליקציה וויז בקניון/צד שרת/הסברים לצד שרת/מה אני עושה.pptx
+++ b/אפליקציה וויז בקניון/צד שרת/הסברים לצד שרת/מה אני עושה.pptx
@@ -261,7 +261,7 @@
           <a:p>
             <a:fld id="{11EBE2A7-ABC7-40D9-9C6D-8E027093A896}" type="datetimeFigureOut">
               <a:rPr lang="he-IL" smtClean="0"/>
-              <a:t>ט"ז/אייר/תשפ"ב</a:t>
+              <a:t>כ"ד/סיון/תשפ"ב</a:t>
             </a:fld>
             <a:endParaRPr lang="he-IL"/>
           </a:p>
@@ -459,7 +459,7 @@
           <a:p>
             <a:fld id="{11EBE2A7-ABC7-40D9-9C6D-8E027093A896}" type="datetimeFigureOut">
               <a:rPr lang="he-IL" smtClean="0"/>
-              <a:t>ט"ז/אייר/תשפ"ב</a:t>
+              <a:t>כ"ד/סיון/תשפ"ב</a:t>
             </a:fld>
             <a:endParaRPr lang="he-IL"/>
           </a:p>
@@ -667,7 +667,7 @@
           <a:p>
             <a:fld id="{11EBE2A7-ABC7-40D9-9C6D-8E027093A896}" type="datetimeFigureOut">
               <a:rPr lang="he-IL" smtClean="0"/>
-              <a:t>ט"ז/אייר/תשפ"ב</a:t>
+              <a:t>כ"ד/סיון/תשפ"ב</a:t>
             </a:fld>
             <a:endParaRPr lang="he-IL"/>
           </a:p>
@@ -865,7 +865,7 @@
           <a:p>
             <a:fld id="{11EBE2A7-ABC7-40D9-9C6D-8E027093A896}" type="datetimeFigureOut">
               <a:rPr lang="he-IL" smtClean="0"/>
-              <a:t>ט"ז/אייר/תשפ"ב</a:t>
+              <a:t>כ"ד/סיון/תשפ"ב</a:t>
             </a:fld>
             <a:endParaRPr lang="he-IL"/>
           </a:p>
@@ -1140,7 +1140,7 @@
           <a:p>
             <a:fld id="{11EBE2A7-ABC7-40D9-9C6D-8E027093A896}" type="datetimeFigureOut">
               <a:rPr lang="he-IL" smtClean="0"/>
-              <a:t>ט"ז/אייר/תשפ"ב</a:t>
+              <a:t>כ"ד/סיון/תשפ"ב</a:t>
             </a:fld>
             <a:endParaRPr lang="he-IL"/>
           </a:p>
@@ -1405,7 +1405,7 @@
           <a:p>
             <a:fld id="{11EBE2A7-ABC7-40D9-9C6D-8E027093A896}" type="datetimeFigureOut">
               <a:rPr lang="he-IL" smtClean="0"/>
-              <a:t>ט"ז/אייר/תשפ"ב</a:t>
+              <a:t>כ"ד/סיון/תשפ"ב</a:t>
             </a:fld>
             <a:endParaRPr lang="he-IL"/>
           </a:p>
@@ -1817,7 +1817,7 @@
           <a:p>
             <a:fld id="{11EBE2A7-ABC7-40D9-9C6D-8E027093A896}" type="datetimeFigureOut">
               <a:rPr lang="he-IL" smtClean="0"/>
-              <a:t>ט"ז/אייר/תשפ"ב</a:t>
+              <a:t>כ"ד/סיון/תשפ"ב</a:t>
             </a:fld>
             <a:endParaRPr lang="he-IL"/>
           </a:p>
@@ -1958,7 +1958,7 @@
           <a:p>
             <a:fld id="{11EBE2A7-ABC7-40D9-9C6D-8E027093A896}" type="datetimeFigureOut">
               <a:rPr lang="he-IL" smtClean="0"/>
-              <a:t>ט"ז/אייר/תשפ"ב</a:t>
+              <a:t>כ"ד/סיון/תשפ"ב</a:t>
             </a:fld>
             <a:endParaRPr lang="he-IL"/>
           </a:p>
@@ -2071,7 +2071,7 @@
           <a:p>
             <a:fld id="{11EBE2A7-ABC7-40D9-9C6D-8E027093A896}" type="datetimeFigureOut">
               <a:rPr lang="he-IL" smtClean="0"/>
-              <a:t>ט"ז/אייר/תשפ"ב</a:t>
+              <a:t>כ"ד/סיון/תשפ"ב</a:t>
             </a:fld>
             <a:endParaRPr lang="he-IL"/>
           </a:p>
@@ -2382,7 +2382,7 @@
           <a:p>
             <a:fld id="{11EBE2A7-ABC7-40D9-9C6D-8E027093A896}" type="datetimeFigureOut">
               <a:rPr lang="he-IL" smtClean="0"/>
-              <a:t>ט"ז/אייר/תשפ"ב</a:t>
+              <a:t>כ"ד/סיון/תשפ"ב</a:t>
             </a:fld>
             <a:endParaRPr lang="he-IL"/>
           </a:p>
@@ -2670,7 +2670,7 @@
           <a:p>
             <a:fld id="{11EBE2A7-ABC7-40D9-9C6D-8E027093A896}" type="datetimeFigureOut">
               <a:rPr lang="he-IL" smtClean="0"/>
-              <a:t>ט"ז/אייר/תשפ"ב</a:t>
+              <a:t>כ"ד/סיון/תשפ"ב</a:t>
             </a:fld>
             <a:endParaRPr lang="he-IL"/>
           </a:p>
@@ -2911,7 +2911,7 @@
           <a:p>
             <a:fld id="{11EBE2A7-ABC7-40D9-9C6D-8E027093A896}" type="datetimeFigureOut">
               <a:rPr lang="he-IL" smtClean="0"/>
-              <a:t>ט"ז/אייר/תשפ"ב</a:t>
+              <a:t>כ"ד/סיון/תשפ"ב</a:t>
             </a:fld>
             <a:endParaRPr lang="he-IL"/>
           </a:p>
@@ -3378,7 +3378,7 @@
         </p:nvGrpSpPr>
         <p:grpSpPr>
           <a:xfrm>
-            <a:off x="1318847" y="-169215"/>
+            <a:off x="1412153" y="459242"/>
             <a:ext cx="2548582" cy="2556588"/>
             <a:chOff x="4505500" y="469085"/>
             <a:chExt cx="3632662" cy="3886785"/>
